--- a/G11 项目计划PPT.pptx
+++ b/G11 项目计划PPT.pptx
@@ -206,7 +206,7 @@
           <a:p>
             <a:fld id="{AAF4AC4C-AA4B-49DA-A846-033AD3E91B54}" type="datetimeFigureOut">
               <a:rPr lang="zh-CN" altLang="en-US" smtClean="0"/>
-              <a:t>2024/10/6</a:t>
+              <a:t>2024/10/8</a:t>
             </a:fld>
             <a:endParaRPr lang="zh-CN" altLang="en-US"/>
           </a:p>
@@ -668,7 +668,7 @@
           <a:p>
             <a:fld id="{0E089FB5-4EB1-49B0-A09D-841C3778DD41}" type="datetimeFigureOut">
               <a:rPr lang="zh-CN" altLang="en-US" smtClean="0"/>
-              <a:t>2024/10/6</a:t>
+              <a:t>2024/10/8</a:t>
             </a:fld>
             <a:endParaRPr lang="zh-CN" altLang="en-US"/>
           </a:p>
@@ -841,7 +841,7 @@
           <a:p>
             <a:fld id="{0E089FB5-4EB1-49B0-A09D-841C3778DD41}" type="datetimeFigureOut">
               <a:rPr lang="zh-CN" altLang="en-US" smtClean="0"/>
-              <a:t>2024/10/6</a:t>
+              <a:t>2024/10/8</a:t>
             </a:fld>
             <a:endParaRPr lang="zh-CN" altLang="en-US"/>
           </a:p>
@@ -1081,7 +1081,7 @@
           <a:p>
             <a:fld id="{0E089FB5-4EB1-49B0-A09D-841C3778DD41}" type="datetimeFigureOut">
               <a:rPr lang="zh-CN" altLang="en-US" smtClean="0"/>
-              <a:t>2024/10/6</a:t>
+              <a:t>2024/10/8</a:t>
             </a:fld>
             <a:endParaRPr lang="zh-CN" altLang="en-US"/>
           </a:p>
@@ -1305,7 +1305,7 @@
           <a:p>
             <a:fld id="{0E089FB5-4EB1-49B0-A09D-841C3778DD41}" type="datetimeFigureOut">
               <a:rPr lang="zh-CN" altLang="en-US" smtClean="0"/>
-              <a:t>2024/10/6</a:t>
+              <a:t>2024/10/8</a:t>
             </a:fld>
             <a:endParaRPr lang="zh-CN" altLang="en-US"/>
           </a:p>
@@ -1664,7 +1664,7 @@
           <a:p>
             <a:fld id="{0E089FB5-4EB1-49B0-A09D-841C3778DD41}" type="datetimeFigureOut">
               <a:rPr lang="zh-CN" altLang="en-US" smtClean="0"/>
-              <a:t>2024/10/6</a:t>
+              <a:t>2024/10/8</a:t>
             </a:fld>
             <a:endParaRPr lang="zh-CN" altLang="en-US"/>
           </a:p>
@@ -1776,7 +1776,7 @@
           <a:p>
             <a:fld id="{0E089FB5-4EB1-49B0-A09D-841C3778DD41}" type="datetimeFigureOut">
               <a:rPr lang="zh-CN" altLang="en-US" smtClean="0"/>
-              <a:t>2024/10/6</a:t>
+              <a:t>2024/10/8</a:t>
             </a:fld>
             <a:endParaRPr lang="zh-CN" altLang="en-US"/>
           </a:p>
@@ -1866,7 +1866,7 @@
           <a:p>
             <a:fld id="{0E089FB5-4EB1-49B0-A09D-841C3778DD41}" type="datetimeFigureOut">
               <a:rPr lang="zh-CN" altLang="en-US" smtClean="0"/>
-              <a:t>2024/10/6</a:t>
+              <a:t>2024/10/8</a:t>
             </a:fld>
             <a:endParaRPr lang="zh-CN" altLang="en-US"/>
           </a:p>
@@ -2136,7 +2136,7 @@
           <a:p>
             <a:fld id="{0E089FB5-4EB1-49B0-A09D-841C3778DD41}" type="datetimeFigureOut">
               <a:rPr lang="zh-CN" altLang="en-US" smtClean="0"/>
-              <a:t>2024/10/6</a:t>
+              <a:t>2024/10/8</a:t>
             </a:fld>
             <a:endParaRPr lang="zh-CN" altLang="en-US"/>
           </a:p>
@@ -2383,7 +2383,7 @@
           <a:p>
             <a:fld id="{0E089FB5-4EB1-49B0-A09D-841C3778DD41}" type="datetimeFigureOut">
               <a:rPr lang="zh-CN" altLang="en-US" smtClean="0"/>
-              <a:t>2024/10/6</a:t>
+              <a:t>2024/10/8</a:t>
             </a:fld>
             <a:endParaRPr lang="zh-CN" altLang="en-US"/>
           </a:p>
@@ -2546,7 +2546,7 @@
           <a:p>
             <a:fld id="{0E089FB5-4EB1-49B0-A09D-841C3778DD41}" type="datetimeFigureOut">
               <a:rPr lang="zh-CN" altLang="en-US" smtClean="0"/>
-              <a:t>2024/10/6</a:t>
+              <a:t>2024/10/8</a:t>
             </a:fld>
             <a:endParaRPr lang="zh-CN" altLang="en-US"/>
           </a:p>
@@ -2752,7 +2752,7 @@
           <a:p>
             <a:fld id="{0E089FB5-4EB1-49B0-A09D-841C3778DD41}" type="datetimeFigureOut">
               <a:rPr lang="zh-CN" altLang="en-US" smtClean="0"/>
-              <a:t>2024/10/6</a:t>
+              <a:t>2024/10/8</a:t>
             </a:fld>
             <a:endParaRPr lang="zh-CN" altLang="en-US"/>
           </a:p>
@@ -3572,8 +3572,8 @@
         </p:nvSpPr>
         <p:spPr>
           <a:xfrm rot="10800000" flipV="1">
-            <a:off x="4286305" y="4557920"/>
-            <a:ext cx="3665848" cy="1613529"/>
+            <a:off x="4263076" y="4557920"/>
+            <a:ext cx="3665848" cy="1820020"/>
           </a:xfrm>
           <a:prstGeom prst="roundRect">
             <a:avLst>
@@ -3629,7 +3629,7 @@
         <p:spPr>
           <a:xfrm>
             <a:off x="5154998" y="4557920"/>
-            <a:ext cx="1882003" cy="1815882"/>
+            <a:ext cx="1882003" cy="2062103"/>
           </a:xfrm>
           <a:prstGeom prst="rect">
             <a:avLst/>
@@ -3686,16 +3686,6 @@
           </a:p>
           <a:p>
             <a:r>
-              <a:rPr lang="en-US" altLang="zh-CN" sz="1600" b="1" dirty="0">
-                <a:solidFill>
-                  <a:schemeClr val="bg1"/>
-                </a:solidFill>
-                <a:cs typeface="+mn-ea"/>
-                <a:sym typeface="+mn-lt"/>
-              </a:rPr>
-              <a:t>PPT</a:t>
-            </a:r>
-            <a:r>
               <a:rPr lang="zh-CN" altLang="en-US" sz="1600" b="1" dirty="0">
                 <a:solidFill>
                   <a:schemeClr val="bg1"/>
@@ -3703,7 +3693,7 @@
                 <a:cs typeface="+mn-ea"/>
                 <a:sym typeface="+mn-lt"/>
               </a:rPr>
-              <a:t>相关报告制作：仇鑫宇</a:t>
+              <a:t>报告技术书：仇鑫宇</a:t>
             </a:r>
             <a:endParaRPr lang="en-US" altLang="zh-CN" sz="1600" b="1" dirty="0">
               <a:solidFill>
@@ -3724,16 +3714,6 @@
           </a:p>
           <a:p>
             <a:r>
-              <a:rPr lang="en-US" altLang="zh-CN" sz="1600" b="1" dirty="0">
-                <a:solidFill>
-                  <a:schemeClr val="bg1"/>
-                </a:solidFill>
-                <a:cs typeface="+mn-ea"/>
-                <a:sym typeface="+mn-lt"/>
-              </a:rPr>
-              <a:t>PPT</a:t>
-            </a:r>
-            <a:r>
               <a:rPr lang="zh-CN" altLang="en-US" sz="1600" b="1" dirty="0">
                 <a:solidFill>
                   <a:schemeClr val="bg1"/>
@@ -3741,7 +3721,7 @@
                 <a:cs typeface="+mn-ea"/>
                 <a:sym typeface="+mn-lt"/>
               </a:rPr>
-              <a:t>校验：胡奕晨</a:t>
+              <a:t>甘特图制作：胡奕晨</a:t>
             </a:r>
             <a:endParaRPr lang="en-US" altLang="zh-CN" sz="1600" b="1" dirty="0">
               <a:solidFill>
@@ -12912,7 +12892,7 @@
         <p:spPr>
           <a:xfrm>
             <a:off x="1755397" y="2040598"/>
-            <a:ext cx="1364676" cy="834267"/>
+            <a:ext cx="1364676" cy="1090748"/>
           </a:xfrm>
           <a:prstGeom prst="rect">
             <a:avLst/>
@@ -12994,7 +12974,28 @@
                 <a:ea typeface="思源黑体 CN Normal" panose="020B0400000000000000" pitchFamily="34" charset="-122"/>
                 <a:sym typeface="FZHei-B01S" panose="02010601030101010101" pitchFamily="2" charset="-122"/>
               </a:rPr>
-              <a:t>10.1-10.7</a:t>
+              <a:t>10.8-10</a:t>
+            </a:r>
+          </a:p>
+          <a:p>
+            <a:pPr algn="ctr">
+              <a:lnSpc>
+                <a:spcPts val="2000"/>
+              </a:lnSpc>
+              <a:defRPr/>
+            </a:pPr>
+            <a:r>
+              <a:rPr lang="en-US" altLang="zh-CN" sz="1200" dirty="0">
+                <a:solidFill>
+                  <a:schemeClr val="bg1">
+                    <a:lumMod val="95000"/>
+                  </a:schemeClr>
+                </a:solidFill>
+                <a:latin typeface="思源黑体 CN Normal" panose="020B0400000000000000" pitchFamily="34" charset="-122"/>
+                <a:ea typeface="思源黑体 CN Normal" panose="020B0400000000000000" pitchFamily="34" charset="-122"/>
+                <a:sym typeface="FZHei-B01S" panose="02010601030101010101" pitchFamily="2" charset="-122"/>
+              </a:rPr>
+              <a:t>12</a:t>
             </a:r>
             <a:endParaRPr lang="zh-CN" altLang="en-US" sz="1200" dirty="0">
               <a:solidFill>
@@ -13074,8 +13075,9 @@
                 </a:solidFill>
                 <a:latin typeface="思源黑体 CN Normal" panose="020B0400000000000000" pitchFamily="34" charset="-122"/>
                 <a:ea typeface="思源黑体 CN Normal" panose="020B0400000000000000" pitchFamily="34" charset="-122"/>
+                <a:sym typeface="FZHei-B01S" panose="02010601030101010101" pitchFamily="2" charset="-122"/>
               </a:rPr>
-              <a:t>10.8–11.15</a:t>
+              <a:t>10.13-11.17</a:t>
             </a:r>
             <a:endParaRPr lang="zh-CN" altLang="en-US" sz="1200" dirty="0">
               <a:solidFill>
@@ -13118,7 +13120,7 @@
               <a:defRPr/>
             </a:pPr>
             <a:r>
-              <a:rPr lang="zh-CN" altLang="zh-CN" sz="1200" dirty="0">
+              <a:rPr lang="zh-CN" altLang="en-US" sz="1200" dirty="0">
                 <a:solidFill>
                   <a:schemeClr val="bg1">
                     <a:lumMod val="95000"/>
@@ -13126,27 +13128,10 @@
                 </a:solidFill>
                 <a:latin typeface="思源黑体 CN Normal" panose="020B0400000000000000" pitchFamily="34" charset="-122"/>
                 <a:ea typeface="思源黑体 CN Normal" panose="020B0400000000000000" pitchFamily="34" charset="-122"/>
+                <a:sym typeface="FZHei-B01S" panose="02010601030101010101" pitchFamily="2" charset="-122"/>
               </a:rPr>
-              <a:t>上线前准备与发布阶段</a:t>
-            </a:r>
-            <a:endParaRPr lang="en-US" altLang="zh-CN" sz="1200" dirty="0">
-              <a:solidFill>
-                <a:schemeClr val="bg1">
-                  <a:lumMod val="95000"/>
-                </a:schemeClr>
-              </a:solidFill>
-              <a:latin typeface="思源黑体 CN Normal" panose="020B0400000000000000" pitchFamily="34" charset="-122"/>
-              <a:ea typeface="思源黑体 CN Normal" panose="020B0400000000000000" pitchFamily="34" charset="-122"/>
-              <a:sym typeface="FZHei-B01S" panose="02010601030101010101" pitchFamily="2" charset="-122"/>
-            </a:endParaRPr>
-          </a:p>
-          <a:p>
-            <a:pPr lvl="0" algn="ctr">
-              <a:lnSpc>
-                <a:spcPts val="2000"/>
-              </a:lnSpc>
-              <a:defRPr/>
-            </a:pPr>
+              <a:t>优化用户体验，提升产品性能</a:t>
+            </a:r>
             <a:r>
               <a:rPr lang="en-US" altLang="zh-CN" sz="1200" dirty="0">
                 <a:solidFill>
@@ -13158,7 +13143,7 @@
                 <a:ea typeface="思源黑体 CN Normal" panose="020B0400000000000000" pitchFamily="34" charset="-122"/>
                 <a:sym typeface="FZHei-B01S" panose="02010601030101010101" pitchFamily="2" charset="-122"/>
               </a:rPr>
-              <a:t>12.1-12.7</a:t>
+              <a:t>12.3-12.18</a:t>
             </a:r>
             <a:endParaRPr lang="en-US" altLang="zh-CN" sz="1200" dirty="0">
               <a:solidFill>
@@ -13238,7 +13223,7 @@
                 <a:latin typeface="思源黑体 CN Normal" panose="020B0400000000000000" pitchFamily="34" charset="-122"/>
                 <a:ea typeface="思源黑体 CN Normal" panose="020B0400000000000000" pitchFamily="34" charset="-122"/>
               </a:rPr>
-              <a:t>11.16–11.30</a:t>
+              <a:t>11.18-12.2</a:t>
             </a:r>
             <a:endParaRPr lang="zh-CN" altLang="en-US" sz="1200" dirty="0">
               <a:solidFill>
@@ -14948,10 +14933,10 @@
       </p:grpSp>
       <p:pic>
         <p:nvPicPr>
-          <p:cNvPr id="22" name="图片 21">
+          <p:cNvPr id="3" name="图片 2">
             <a:extLst>
               <a:ext uri="{FF2B5EF4-FFF2-40B4-BE49-F238E27FC236}">
-                <a16:creationId xmlns:a16="http://schemas.microsoft.com/office/drawing/2014/main" id="{6AC84EA6-541D-F77A-F59A-E5CFC85C8A8A}"/>
+                <a16:creationId xmlns:a16="http://schemas.microsoft.com/office/drawing/2014/main" id="{5347434E-B410-DC51-E0F6-363EEF76BC8A}"/>
               </a:ext>
             </a:extLst>
           </p:cNvPr>
@@ -14968,8 +14953,8 @@
         </p:blipFill>
         <p:spPr>
           <a:xfrm>
-            <a:off x="210019" y="1443636"/>
-            <a:ext cx="11820007" cy="2621280"/>
+            <a:off x="963306" y="749426"/>
+            <a:ext cx="10570326" cy="5651646"/>
           </a:xfrm>
           <a:prstGeom prst="rect">
             <a:avLst/>
@@ -15251,7 +15236,7 @@
           </p:nvSpPr>
           <p:spPr>
             <a:xfrm>
-              <a:off x="1009200" y="287761"/>
+              <a:off x="951414" y="355859"/>
               <a:ext cx="5446464" cy="461665"/>
             </a:xfrm>
             <a:prstGeom prst="rect">
@@ -15596,7 +15581,7 @@
         </p:nvSpPr>
         <p:spPr>
           <a:xfrm>
-            <a:off x="5937391" y="4800600"/>
+            <a:off x="5961775" y="4788408"/>
             <a:ext cx="1130020" cy="563359"/>
           </a:xfrm>
           <a:prstGeom prst="rect">
@@ -15768,6 +15753,128 @@
           </a:p>
           <a:p>
             <a:endParaRPr lang="zh-CN" altLang="en-US" dirty="0"/>
+          </a:p>
+        </p:txBody>
+      </p:sp>
+      <p:sp>
+        <p:nvSpPr>
+          <p:cNvPr id="2" name="文本框 1">
+            <a:extLst>
+              <a:ext uri="{FF2B5EF4-FFF2-40B4-BE49-F238E27FC236}">
+                <a16:creationId xmlns:a16="http://schemas.microsoft.com/office/drawing/2014/main" id="{3C5E0D19-F770-BE11-C743-C32764FF87D0}"/>
+              </a:ext>
+            </a:extLst>
+          </p:cNvPr>
+          <p:cNvSpPr txBox="1"/>
+          <p:nvPr/>
+        </p:nvSpPr>
+        <p:spPr>
+          <a:xfrm>
+            <a:off x="779835" y="2515511"/>
+            <a:ext cx="7291269" cy="1107996"/>
+          </a:xfrm>
+          <a:prstGeom prst="rect">
+            <a:avLst/>
+          </a:prstGeom>
+          <a:noFill/>
+        </p:spPr>
+        <p:txBody>
+          <a:bodyPr wrap="square" rtlCol="0">
+            <a:spAutoFit/>
+          </a:bodyPr>
+          <a:lstStyle/>
+          <a:p>
+            <a:pPr algn="dist"/>
+            <a:r>
+              <a:rPr lang="zh-CN" altLang="en-US" sz="2400" spc="300" dirty="0">
+                <a:solidFill>
+                  <a:schemeClr val="tx1">
+                    <a:lumMod val="75000"/>
+                    <a:lumOff val="25000"/>
+                  </a:schemeClr>
+                </a:solidFill>
+                <a:ea typeface="YouSheBiaoTiHei" pitchFamily="2" charset="-122"/>
+              </a:rPr>
+              <a:t>预算概括：</a:t>
+            </a:r>
+            <a:endParaRPr lang="en-US" altLang="zh-CN" sz="2400" spc="300" dirty="0">
+              <a:solidFill>
+                <a:schemeClr val="tx1">
+                  <a:lumMod val="75000"/>
+                  <a:lumOff val="25000"/>
+                </a:schemeClr>
+              </a:solidFill>
+              <a:ea typeface="YouSheBiaoTiHei" pitchFamily="2" charset="-122"/>
+            </a:endParaRPr>
+          </a:p>
+          <a:p>
+            <a:pPr algn="dist"/>
+            <a:endParaRPr lang="en-US" altLang="zh-CN" sz="2400" spc="300" dirty="0">
+              <a:solidFill>
+                <a:schemeClr val="tx1">
+                  <a:lumMod val="75000"/>
+                  <a:lumOff val="25000"/>
+                </a:schemeClr>
+              </a:solidFill>
+              <a:ea typeface="YouSheBiaoTiHei" pitchFamily="2" charset="-122"/>
+            </a:endParaRPr>
+          </a:p>
+          <a:p>
+            <a:endParaRPr lang="zh-CN" altLang="en-US" dirty="0"/>
+          </a:p>
+        </p:txBody>
+      </p:sp>
+      <p:sp>
+        <p:nvSpPr>
+          <p:cNvPr id="4" name="文本框 3">
+            <a:extLst>
+              <a:ext uri="{FF2B5EF4-FFF2-40B4-BE49-F238E27FC236}">
+                <a16:creationId xmlns:a16="http://schemas.microsoft.com/office/drawing/2014/main" id="{9DCE885B-ACC2-D8C0-8F0D-5E01797C7674}"/>
+              </a:ext>
+            </a:extLst>
+          </p:cNvPr>
+          <p:cNvSpPr txBox="1"/>
+          <p:nvPr/>
+        </p:nvSpPr>
+        <p:spPr>
+          <a:xfrm>
+            <a:off x="631231" y="3344934"/>
+            <a:ext cx="8790039" cy="646331"/>
+          </a:xfrm>
+          <a:prstGeom prst="rect">
+            <a:avLst/>
+          </a:prstGeom>
+          <a:noFill/>
+        </p:spPr>
+        <p:txBody>
+          <a:bodyPr wrap="square" rtlCol="0">
+            <a:spAutoFit/>
+          </a:bodyPr>
+          <a:lstStyle/>
+          <a:p>
+            <a:r>
+              <a:rPr lang="zh-CN" altLang="zh-CN" dirty="0"/>
+              <a:t>前端，后端后发，以及最后测试皆有小组成员完成</a:t>
+            </a:r>
+            <a:r>
+              <a:rPr lang="zh-CN" altLang="en-US" dirty="0"/>
+              <a:t>，</a:t>
+            </a:r>
+            <a:endParaRPr lang="zh-CN" altLang="zh-CN" dirty="0"/>
+          </a:p>
+          <a:p>
+            <a:r>
+              <a:rPr lang="zh-CN" altLang="zh-CN" dirty="0"/>
+              <a:t>但一些材料，软件工具，云服务成本，以及域名成本大概在</a:t>
+            </a:r>
+            <a:r>
+              <a:rPr lang="en-US" altLang="zh-CN" dirty="0"/>
+              <a:t>500</a:t>
+            </a:r>
+            <a:r>
+              <a:rPr lang="zh-CN" altLang="zh-CN" dirty="0"/>
+              <a:t>以内</a:t>
+            </a:r>
           </a:p>
         </p:txBody>
       </p:sp>
